--- a/Uniledger.pptx
+++ b/Uniledger.pptx
@@ -11,10 +11,13 @@
     <p:sldId id="265" r:id="rId5"/>
     <p:sldId id="261" r:id="rId6"/>
     <p:sldId id="259" r:id="rId7"/>
-    <p:sldId id="266" r:id="rId8"/>
-    <p:sldId id="267" r:id="rId9"/>
-    <p:sldId id="268" r:id="rId10"/>
-    <p:sldId id="263" r:id="rId11"/>
+    <p:sldId id="271" r:id="rId8"/>
+    <p:sldId id="269" r:id="rId9"/>
+    <p:sldId id="266" r:id="rId10"/>
+    <p:sldId id="267" r:id="rId11"/>
+    <p:sldId id="268" r:id="rId12"/>
+    <p:sldId id="263" r:id="rId13"/>
+    <p:sldId id="270" r:id="rId14"/>
   </p:sldIdLst>
   <p:sldSz cx="12192000" cy="6858000"/>
   <p:notesSz cx="6858000" cy="9144000"/>
@@ -113,6 +116,11 @@
       </a:defRPr>
     </a:lvl9pPr>
   </p:defaultTextStyle>
+  <p:extLst>
+    <p:ext uri="{EFAFB233-063F-42B5-8137-9DF3F51BA10A}">
+      <p15:sldGuideLst xmlns:p15="http://schemas.microsoft.com/office/powerpoint/2012/main"/>
+    </p:ext>
+  </p:extLst>
 </p:presentation>
 </file>
 
@@ -5111,10 +5119,10 @@
         <a:lstStyle/>
         <a:p>
           <a:r>
-            <a:rPr lang="en-GB"/>
-            <a:t>Uniqueness</a:t>
+            <a:rPr lang="en-GB" dirty="0"/>
+            <a:t>Novelty/Uniqueness</a:t>
           </a:r>
-          <a:endParaRPr lang="en-US"/>
+          <a:endParaRPr lang="en-US" dirty="0"/>
         </a:p>
       </dgm:t>
     </dgm:pt>
@@ -5222,10 +5230,10 @@
         <a:lstStyle/>
         <a:p>
           <a:r>
-            <a:rPr lang="en-GB"/>
+            <a:rPr lang="en-GB" dirty="0"/>
             <a:t>Effect on society/user</a:t>
           </a:r>
-          <a:endParaRPr lang="en-US"/>
+          <a:endParaRPr lang="en-US" dirty="0"/>
         </a:p>
       </dgm:t>
     </dgm:pt>
@@ -7009,10 +7017,10 @@
             <a:buNone/>
           </a:pPr>
           <a:r>
-            <a:rPr lang="en-GB" sz="2100" kern="1200"/>
-            <a:t>Uniqueness</a:t>
+            <a:rPr lang="en-GB" sz="2100" kern="1200" dirty="0"/>
+            <a:t>Novelty/Uniqueness</a:t>
           </a:r>
-          <a:endParaRPr lang="en-US" sz="2100" kern="1200"/>
+          <a:endParaRPr lang="en-US" sz="2100" kern="1200" dirty="0"/>
         </a:p>
       </dsp:txBody>
       <dsp:txXfrm>
@@ -7198,10 +7206,10 @@
             <a:buNone/>
           </a:pPr>
           <a:r>
-            <a:rPr lang="en-GB" sz="2100" kern="1200"/>
+            <a:rPr lang="en-GB" sz="2100" kern="1200" dirty="0"/>
             <a:t>Effect on society/user</a:t>
           </a:r>
-          <a:endParaRPr lang="en-US" sz="2100" kern="1200"/>
+          <a:endParaRPr lang="en-US" sz="2100" kern="1200" dirty="0"/>
         </a:p>
       </dsp:txBody>
       <dsp:txXfrm>
@@ -20250,6 +20258,328 @@
           <p:cNvPr id="2" name="Title 1">
             <a:extLst>
               <a:ext uri="{FF2B5EF4-FFF2-40B4-BE49-F238E27FC236}">
+                <a16:creationId xmlns:a16="http://schemas.microsoft.com/office/drawing/2014/main" id="{407056F4-195E-47DD-B730-2D92CFA90AE0}"/>
+              </a:ext>
+            </a:extLst>
+          </p:cNvPr>
+          <p:cNvSpPr>
+            <a:spLocks noGrp="1"/>
+          </p:cNvSpPr>
+          <p:nvPr>
+            <p:ph type="title"/>
+          </p:nvPr>
+        </p:nvSpPr>
+        <p:spPr>
+          <a:xfrm>
+            <a:off x="227883" y="237641"/>
+            <a:ext cx="8596668" cy="1320800"/>
+          </a:xfrm>
+        </p:spPr>
+        <p:txBody>
+          <a:bodyPr/>
+          <a:lstStyle/>
+          <a:p>
+            <a:r>
+              <a:rPr lang="en-US" dirty="0"/>
+              <a:t>Monetary Value</a:t>
+            </a:r>
+          </a:p>
+        </p:txBody>
+      </p:sp>
+      <p:sp>
+        <p:nvSpPr>
+          <p:cNvPr id="3" name="Content Placeholder 2">
+            <a:extLst>
+              <a:ext uri="{FF2B5EF4-FFF2-40B4-BE49-F238E27FC236}">
+                <a16:creationId xmlns:a16="http://schemas.microsoft.com/office/drawing/2014/main" id="{7C4623D8-2BC2-4778-8DF7-934804777AB9}"/>
+              </a:ext>
+            </a:extLst>
+          </p:cNvPr>
+          <p:cNvSpPr>
+            <a:spLocks noGrp="1"/>
+          </p:cNvSpPr>
+          <p:nvPr>
+            <p:ph idx="1"/>
+          </p:nvPr>
+        </p:nvSpPr>
+        <p:spPr>
+          <a:xfrm>
+            <a:off x="227883" y="3341436"/>
+            <a:ext cx="1438185" cy="3880773"/>
+          </a:xfrm>
+        </p:spPr>
+        <p:txBody>
+          <a:bodyPr/>
+          <a:lstStyle/>
+          <a:p>
+            <a:r>
+              <a:rPr lang="en-US" dirty="0"/>
+              <a:t>Cost of a medical record</a:t>
+            </a:r>
+          </a:p>
+        </p:txBody>
+      </p:sp>
+      <p:graphicFrame>
+        <p:nvGraphicFramePr>
+          <p:cNvPr id="6" name="Chart 5">
+            <a:extLst>
+              <a:ext uri="{FF2B5EF4-FFF2-40B4-BE49-F238E27FC236}">
+                <a16:creationId xmlns:a16="http://schemas.microsoft.com/office/drawing/2014/main" id="{AD2C13BC-E08A-47D0-97EF-004867BBC252}"/>
+              </a:ext>
+            </a:extLst>
+          </p:cNvPr>
+          <p:cNvGraphicFramePr/>
+          <p:nvPr>
+            <p:extLst>
+              <p:ext uri="{D42A27DB-BD31-4B8C-83A1-F6EECF244321}">
+                <p14:modId xmlns:p14="http://schemas.microsoft.com/office/powerpoint/2010/main" val="640672595"/>
+              </p:ext>
+            </p:extLst>
+          </p:nvPr>
+        </p:nvGraphicFramePr>
+        <p:xfrm>
+          <a:off x="2032000" y="1083875"/>
+          <a:ext cx="7406468" cy="5418667"/>
+        </p:xfrm>
+        <a:graphic>
+          <a:graphicData uri="http://schemas.openxmlformats.org/drawingml/2006/chart">
+            <c:chart xmlns:c="http://schemas.openxmlformats.org/drawingml/2006/chart" xmlns:r="http://schemas.openxmlformats.org/officeDocument/2006/relationships" r:id="rId2"/>
+          </a:graphicData>
+        </a:graphic>
+      </p:graphicFrame>
+    </p:spTree>
+    <p:extLst>
+      <p:ext uri="{BB962C8B-B14F-4D97-AF65-F5344CB8AC3E}">
+        <p14:creationId xmlns:p14="http://schemas.microsoft.com/office/powerpoint/2010/main" val="758471024"/>
+      </p:ext>
+    </p:extLst>
+  </p:cSld>
+  <p:clrMapOvr>
+    <a:masterClrMapping/>
+  </p:clrMapOvr>
+</p:sld>
+</file>
+
+<file path=ppt/slides/slide11.xml><?xml version="1.0" encoding="utf-8"?>
+<p:sld xmlns:a="http://schemas.openxmlformats.org/drawingml/2006/main" xmlns:r="http://schemas.openxmlformats.org/officeDocument/2006/relationships" xmlns:p="http://schemas.openxmlformats.org/presentationml/2006/main">
+  <p:cSld>
+    <p:bg>
+      <p:bgPr>
+        <a:solidFill>
+          <a:schemeClr val="bg1"/>
+        </a:solidFill>
+        <a:effectLst/>
+      </p:bgPr>
+    </p:bg>
+    <p:spTree>
+      <p:nvGrpSpPr>
+        <p:cNvPr id="1" name=""/>
+        <p:cNvGrpSpPr/>
+        <p:nvPr/>
+      </p:nvGrpSpPr>
+      <p:grpSpPr>
+        <a:xfrm>
+          <a:off x="0" y="0"/>
+          <a:ext cx="0" cy="0"/>
+          <a:chOff x="0" y="0"/>
+          <a:chExt cx="0" cy="0"/>
+        </a:xfrm>
+      </p:grpSpPr>
+      <p:sp>
+        <p:nvSpPr>
+          <p:cNvPr id="2" name="Title 1">
+            <a:extLst>
+              <a:ext uri="{FF2B5EF4-FFF2-40B4-BE49-F238E27FC236}">
+                <a16:creationId xmlns:a16="http://schemas.microsoft.com/office/drawing/2014/main" id="{3047A4DD-CFE8-4E3F-95C6-71CB3FBD4227}"/>
+              </a:ext>
+            </a:extLst>
+          </p:cNvPr>
+          <p:cNvSpPr>
+            <a:spLocks noGrp="1"/>
+          </p:cNvSpPr>
+          <p:nvPr>
+            <p:ph type="title"/>
+          </p:nvPr>
+        </p:nvSpPr>
+        <p:spPr>
+          <a:xfrm>
+            <a:off x="677334" y="609600"/>
+            <a:ext cx="8596668" cy="1320800"/>
+          </a:xfrm>
+        </p:spPr>
+        <p:txBody>
+          <a:bodyPr anchor="t">
+            <a:normAutofit/>
+          </a:bodyPr>
+          <a:lstStyle/>
+          <a:p>
+            <a:r>
+              <a:rPr lang="en-US"/>
+              <a:t>Business Viability</a:t>
+            </a:r>
+            <a:endParaRPr lang="en-US" dirty="0"/>
+          </a:p>
+        </p:txBody>
+      </p:sp>
+      <p:pic>
+        <p:nvPicPr>
+          <p:cNvPr id="9" name="Graphic 6" descr="Money">
+            <a:extLst>
+              <a:ext uri="{FF2B5EF4-FFF2-40B4-BE49-F238E27FC236}">
+                <a16:creationId xmlns:a16="http://schemas.microsoft.com/office/drawing/2014/main" id="{0C28EF9F-2D51-4137-B9E8-2A946CF30A49}"/>
+              </a:ext>
+            </a:extLst>
+          </p:cNvPr>
+          <p:cNvPicPr>
+            <a:picLocks noChangeAspect="1"/>
+          </p:cNvPicPr>
+          <p:nvPr/>
+        </p:nvPicPr>
+        <p:blipFill>
+          <a:blip r:embed="rId2">
+            <a:extLst>
+              <a:ext uri="{28A0092B-C50C-407E-A947-70E740481C1C}">
+                <a14:useLocalDpi xmlns:a14="http://schemas.microsoft.com/office/drawing/2010/main" val="0"/>
+              </a:ext>
+              <a:ext uri="{96DAC541-7B7A-43D3-8B79-37D633B846F1}">
+                <asvg:svgBlip xmlns:asvg="http://schemas.microsoft.com/office/drawing/2016/SVG/main" r:embed="rId3"/>
+              </a:ext>
+            </a:extLst>
+          </a:blip>
+          <a:stretch>
+            <a:fillRect/>
+          </a:stretch>
+        </p:blipFill>
+        <p:spPr>
+          <a:xfrm>
+            <a:off x="817474" y="2159331"/>
+            <a:ext cx="2915973" cy="2915973"/>
+          </a:xfrm>
+          <a:prstGeom prst="rect">
+            <a:avLst/>
+          </a:prstGeom>
+        </p:spPr>
+      </p:pic>
+      <p:sp>
+        <p:nvSpPr>
+          <p:cNvPr id="10" name="Content Placeholder 2">
+            <a:extLst>
+              <a:ext uri="{FF2B5EF4-FFF2-40B4-BE49-F238E27FC236}">
+                <a16:creationId xmlns:a16="http://schemas.microsoft.com/office/drawing/2014/main" id="{EC1B5B7A-75F1-405B-8B80-69B02DEE29C2}"/>
+              </a:ext>
+            </a:extLst>
+          </p:cNvPr>
+          <p:cNvSpPr>
+            <a:spLocks noGrp="1"/>
+          </p:cNvSpPr>
+          <p:nvPr>
+            <p:ph idx="1"/>
+          </p:nvPr>
+        </p:nvSpPr>
+        <p:spPr>
+          <a:xfrm>
+            <a:off x="4063160" y="2160589"/>
+            <a:ext cx="5207839" cy="3880773"/>
+          </a:xfrm>
+        </p:spPr>
+        <p:txBody>
+          <a:bodyPr>
+            <a:normAutofit/>
+          </a:bodyPr>
+          <a:lstStyle/>
+          <a:p>
+            <a:r>
+              <a:rPr lang="en-US" dirty="0"/>
+              <a:t>Blockchain-as-a-Service (BaaS) platform</a:t>
+            </a:r>
+          </a:p>
+          <a:p>
+            <a:r>
+              <a:rPr lang="en-US" dirty="0"/>
+              <a:t>Web-based and mobile-based</a:t>
+            </a:r>
+          </a:p>
+          <a:p>
+            <a:r>
+              <a:rPr lang="en-US" dirty="0"/>
+              <a:t>Revenue stream:</a:t>
+            </a:r>
+          </a:p>
+          <a:p>
+            <a:pPr lvl="1"/>
+            <a:r>
+              <a:rPr lang="en-US" dirty="0"/>
+              <a:t>Registration fee</a:t>
+            </a:r>
+          </a:p>
+          <a:p>
+            <a:pPr lvl="1"/>
+            <a:r>
+              <a:rPr lang="en-US" dirty="0"/>
+              <a:t>Pay-as-you-go structure (every doctor visit)</a:t>
+            </a:r>
+          </a:p>
+          <a:p>
+            <a:r>
+              <a:rPr lang="en-US" dirty="0"/>
+              <a:t>Cost structure:</a:t>
+            </a:r>
+          </a:p>
+          <a:p>
+            <a:pPr lvl="1"/>
+            <a:r>
+              <a:rPr lang="en-US" dirty="0"/>
+              <a:t>Maintenance cost</a:t>
+            </a:r>
+          </a:p>
+          <a:p>
+            <a:pPr lvl="1"/>
+            <a:r>
+              <a:rPr lang="en-US" dirty="0"/>
+              <a:t>R&amp;D investment</a:t>
+            </a:r>
+          </a:p>
+          <a:p>
+            <a:pPr lvl="1"/>
+            <a:endParaRPr lang="en-US" dirty="0"/>
+          </a:p>
+        </p:txBody>
+      </p:sp>
+    </p:spTree>
+    <p:extLst>
+      <p:ext uri="{BB962C8B-B14F-4D97-AF65-F5344CB8AC3E}">
+        <p14:creationId xmlns:p14="http://schemas.microsoft.com/office/powerpoint/2010/main" val="2957074859"/>
+      </p:ext>
+    </p:extLst>
+  </p:cSld>
+  <p:clrMapOvr>
+    <a:masterClrMapping/>
+  </p:clrMapOvr>
+</p:sld>
+</file>
+
+<file path=ppt/slides/slide12.xml><?xml version="1.0" encoding="utf-8"?>
+<p:sld xmlns:a="http://schemas.openxmlformats.org/drawingml/2006/main" xmlns:r="http://schemas.openxmlformats.org/officeDocument/2006/relationships" xmlns:p="http://schemas.openxmlformats.org/presentationml/2006/main">
+  <p:cSld>
+    <p:spTree>
+      <p:nvGrpSpPr>
+        <p:cNvPr id="1" name=""/>
+        <p:cNvGrpSpPr/>
+        <p:nvPr/>
+      </p:nvGrpSpPr>
+      <p:grpSpPr>
+        <a:xfrm>
+          <a:off x="0" y="0"/>
+          <a:ext cx="0" cy="0"/>
+          <a:chOff x="0" y="0"/>
+          <a:chExt cx="0" cy="0"/>
+        </a:xfrm>
+      </p:grpSpPr>
+      <p:sp>
+        <p:nvSpPr>
+          <p:cNvPr id="2" name="Title 1">
+            <a:extLst>
+              <a:ext uri="{FF2B5EF4-FFF2-40B4-BE49-F238E27FC236}">
                 <a16:creationId xmlns:a16="http://schemas.microsoft.com/office/drawing/2014/main" id="{3F4870AA-A17F-445A-8019-9DD69D73A7E0}"/>
               </a:ext>
             </a:extLst>
@@ -20315,6 +20645,97 @@
     <p:extLst>
       <p:ext uri="{BB962C8B-B14F-4D97-AF65-F5344CB8AC3E}">
         <p14:creationId xmlns:p14="http://schemas.microsoft.com/office/powerpoint/2010/main" val="521102461"/>
+      </p:ext>
+    </p:extLst>
+  </p:cSld>
+  <p:clrMapOvr>
+    <a:masterClrMapping/>
+  </p:clrMapOvr>
+</p:sld>
+</file>
+
+<file path=ppt/slides/slide13.xml><?xml version="1.0" encoding="utf-8"?>
+<p:sld xmlns:a="http://schemas.openxmlformats.org/drawingml/2006/main" xmlns:r="http://schemas.openxmlformats.org/officeDocument/2006/relationships" xmlns:p="http://schemas.openxmlformats.org/presentationml/2006/main">
+  <p:cSld>
+    <p:spTree>
+      <p:nvGrpSpPr>
+        <p:cNvPr id="1" name=""/>
+        <p:cNvGrpSpPr/>
+        <p:nvPr/>
+      </p:nvGrpSpPr>
+      <p:grpSpPr>
+        <a:xfrm>
+          <a:off x="0" y="0"/>
+          <a:ext cx="0" cy="0"/>
+          <a:chOff x="0" y="0"/>
+          <a:chExt cx="0" cy="0"/>
+        </a:xfrm>
+      </p:grpSpPr>
+      <p:sp>
+        <p:nvSpPr>
+          <p:cNvPr id="2" name="Title 1">
+            <a:extLst>
+              <a:ext uri="{FF2B5EF4-FFF2-40B4-BE49-F238E27FC236}">
+                <a16:creationId xmlns:a16="http://schemas.microsoft.com/office/drawing/2014/main" id="{ACA39EF5-7EEE-4839-81BB-4BEF0ED61C35}"/>
+              </a:ext>
+            </a:extLst>
+          </p:cNvPr>
+          <p:cNvSpPr>
+            <a:spLocks noGrp="1"/>
+          </p:cNvSpPr>
+          <p:nvPr>
+            <p:ph type="title"/>
+          </p:nvPr>
+        </p:nvSpPr>
+        <p:spPr/>
+        <p:txBody>
+          <a:bodyPr/>
+          <a:lstStyle/>
+          <a:p>
+            <a:r>
+              <a:rPr lang="en-US" dirty="0"/>
+              <a:t>Future Steps</a:t>
+            </a:r>
+          </a:p>
+        </p:txBody>
+      </p:sp>
+      <p:sp>
+        <p:nvSpPr>
+          <p:cNvPr id="3" name="Content Placeholder 2">
+            <a:extLst>
+              <a:ext uri="{FF2B5EF4-FFF2-40B4-BE49-F238E27FC236}">
+                <a16:creationId xmlns:a16="http://schemas.microsoft.com/office/drawing/2014/main" id="{D7665668-6CB9-415D-8E31-E65EAD5E9430}"/>
+              </a:ext>
+            </a:extLst>
+          </p:cNvPr>
+          <p:cNvSpPr>
+            <a:spLocks noGrp="1"/>
+          </p:cNvSpPr>
+          <p:nvPr>
+            <p:ph idx="1"/>
+          </p:nvPr>
+        </p:nvSpPr>
+        <p:spPr/>
+        <p:txBody>
+          <a:bodyPr/>
+          <a:lstStyle/>
+          <a:p>
+            <a:r>
+              <a:rPr lang="en-US" dirty="0"/>
+              <a:t>Integration with smart health devices such as </a:t>
+            </a:r>
+            <a:r>
+              <a:rPr lang="en-US" dirty="0" err="1"/>
+              <a:t>fitbit</a:t>
+            </a:r>
+            <a:endParaRPr lang="en-US" dirty="0"/>
+          </a:p>
+        </p:txBody>
+      </p:sp>
+    </p:spTree>
+    <p:extLst>
+      <p:ext uri="{BB962C8B-B14F-4D97-AF65-F5344CB8AC3E}">
+        <p14:creationId xmlns:p14="http://schemas.microsoft.com/office/powerpoint/2010/main" val="3897134950"/>
       </p:ext>
     </p:extLst>
   </p:cSld>
@@ -22238,7 +22659,7 @@
             <p:ph idx="1"/>
             <p:extLst>
               <p:ext uri="{D42A27DB-BD31-4B8C-83A1-F6EECF244321}">
-                <p14:modId xmlns:p14="http://schemas.microsoft.com/office/powerpoint/2010/main" val="2534912940"/>
+                <p14:modId xmlns:p14="http://schemas.microsoft.com/office/powerpoint/2010/main" val="2768053351"/>
               </p:ext>
             </p:extLst>
           </p:nvPr>
@@ -22267,6 +22688,757 @@
 </file>
 
 <file path=ppt/slides/slide7.xml><?xml version="1.0" encoding="utf-8"?>
+<p:sld xmlns:a="http://schemas.openxmlformats.org/drawingml/2006/main" xmlns:r="http://schemas.openxmlformats.org/officeDocument/2006/relationships" xmlns:p="http://schemas.openxmlformats.org/presentationml/2006/main">
+  <p:cSld>
+    <p:spTree>
+      <p:nvGrpSpPr>
+        <p:cNvPr id="1" name=""/>
+        <p:cNvGrpSpPr/>
+        <p:nvPr/>
+      </p:nvGrpSpPr>
+      <p:grpSpPr>
+        <a:xfrm>
+          <a:off x="0" y="0"/>
+          <a:ext cx="0" cy="0"/>
+          <a:chOff x="0" y="0"/>
+          <a:chExt cx="0" cy="0"/>
+        </a:xfrm>
+      </p:grpSpPr>
+      <p:sp>
+        <p:nvSpPr>
+          <p:cNvPr id="2" name="Title 1">
+            <a:extLst>
+              <a:ext uri="{FF2B5EF4-FFF2-40B4-BE49-F238E27FC236}">
+                <a16:creationId xmlns:a16="http://schemas.microsoft.com/office/drawing/2014/main" id="{C85AC634-187F-49DD-9086-3957C3BDC337}"/>
+              </a:ext>
+            </a:extLst>
+          </p:cNvPr>
+          <p:cNvSpPr>
+            <a:spLocks noGrp="1"/>
+          </p:cNvSpPr>
+          <p:nvPr>
+            <p:ph type="title"/>
+          </p:nvPr>
+        </p:nvSpPr>
+        <p:spPr/>
+        <p:txBody>
+          <a:bodyPr/>
+          <a:lstStyle/>
+          <a:p>
+            <a:r>
+              <a:rPr lang="en-US" dirty="0"/>
+              <a:t>Demo</a:t>
+            </a:r>
+          </a:p>
+        </p:txBody>
+      </p:sp>
+      <p:pic>
+        <p:nvPicPr>
+          <p:cNvPr id="4" name="Content Placeholder 3">
+            <a:extLst>
+              <a:ext uri="{FF2B5EF4-FFF2-40B4-BE49-F238E27FC236}">
+                <a16:creationId xmlns:a16="http://schemas.microsoft.com/office/drawing/2014/main" id="{A00F56CC-7CCB-4E75-BC07-B952304E22E1}"/>
+              </a:ext>
+            </a:extLst>
+          </p:cNvPr>
+          <p:cNvPicPr>
+            <a:picLocks noGrp="1" noChangeAspect="1"/>
+          </p:cNvPicPr>
+          <p:nvPr>
+            <p:ph idx="1"/>
+          </p:nvPr>
+        </p:nvPicPr>
+        <p:blipFill>
+          <a:blip r:embed="rId2"/>
+          <a:stretch>
+            <a:fillRect/>
+          </a:stretch>
+        </p:blipFill>
+        <p:spPr>
+          <a:xfrm>
+            <a:off x="677334" y="1276980"/>
+            <a:ext cx="5733232" cy="3556473"/>
+          </a:xfrm>
+          <a:prstGeom prst="rect">
+            <a:avLst/>
+          </a:prstGeom>
+          <a:ln>
+            <a:solidFill>
+              <a:schemeClr val="tx1"/>
+            </a:solidFill>
+          </a:ln>
+        </p:spPr>
+      </p:pic>
+      <p:pic>
+        <p:nvPicPr>
+          <p:cNvPr id="5" name="Picture 4">
+            <a:extLst>
+              <a:ext uri="{FF2B5EF4-FFF2-40B4-BE49-F238E27FC236}">
+                <a16:creationId xmlns:a16="http://schemas.microsoft.com/office/drawing/2014/main" id="{ADBB7DD8-A65B-47B1-B98B-F3B908D1A25F}"/>
+              </a:ext>
+            </a:extLst>
+          </p:cNvPr>
+          <p:cNvPicPr>
+            <a:picLocks noChangeAspect="1"/>
+          </p:cNvPicPr>
+          <p:nvPr/>
+        </p:nvPicPr>
+        <p:blipFill>
+          <a:blip r:embed="rId3"/>
+          <a:stretch>
+            <a:fillRect/>
+          </a:stretch>
+        </p:blipFill>
+        <p:spPr>
+          <a:xfrm>
+            <a:off x="5421317" y="2397914"/>
+            <a:ext cx="5625552" cy="4281250"/>
+          </a:xfrm>
+          <a:prstGeom prst="rect">
+            <a:avLst/>
+          </a:prstGeom>
+          <a:ln>
+            <a:solidFill>
+              <a:schemeClr val="tx1"/>
+            </a:solidFill>
+          </a:ln>
+        </p:spPr>
+      </p:pic>
+      <p:cxnSp>
+        <p:nvCxnSpPr>
+          <p:cNvPr id="7" name="Straight Arrow Connector 6">
+            <a:extLst>
+              <a:ext uri="{FF2B5EF4-FFF2-40B4-BE49-F238E27FC236}">
+                <a16:creationId xmlns:a16="http://schemas.microsoft.com/office/drawing/2014/main" id="{0F0EAD7E-16E9-4B15-980D-8CFEE1C83C46}"/>
+              </a:ext>
+            </a:extLst>
+          </p:cNvPr>
+          <p:cNvCxnSpPr>
+            <a:cxnSpLocks/>
+          </p:cNvCxnSpPr>
+          <p:nvPr/>
+        </p:nvCxnSpPr>
+        <p:spPr>
+          <a:xfrm>
+            <a:off x="3955485" y="2597780"/>
+            <a:ext cx="1703157" cy="599130"/>
+          </a:xfrm>
+          <a:prstGeom prst="straightConnector1">
+            <a:avLst/>
+          </a:prstGeom>
+          <a:ln>
+            <a:tailEnd type="triangle"/>
+          </a:ln>
+        </p:spPr>
+        <p:style>
+          <a:lnRef idx="3">
+            <a:schemeClr val="accent5"/>
+          </a:lnRef>
+          <a:fillRef idx="0">
+            <a:schemeClr val="accent5"/>
+          </a:fillRef>
+          <a:effectRef idx="2">
+            <a:schemeClr val="accent5"/>
+          </a:effectRef>
+          <a:fontRef idx="minor">
+            <a:schemeClr val="tx1"/>
+          </a:fontRef>
+        </p:style>
+      </p:cxnSp>
+    </p:spTree>
+    <p:extLst>
+      <p:ext uri="{BB962C8B-B14F-4D97-AF65-F5344CB8AC3E}">
+        <p14:creationId xmlns:p14="http://schemas.microsoft.com/office/powerpoint/2010/main" val="336272472"/>
+      </p:ext>
+    </p:extLst>
+  </p:cSld>
+  <p:clrMapOvr>
+    <a:masterClrMapping/>
+  </p:clrMapOvr>
+</p:sld>
+</file>
+
+<file path=ppt/slides/slide8.xml><?xml version="1.0" encoding="utf-8"?>
+<p:sld xmlns:a="http://schemas.openxmlformats.org/drawingml/2006/main" xmlns:r="http://schemas.openxmlformats.org/officeDocument/2006/relationships" xmlns:p="http://schemas.openxmlformats.org/presentationml/2006/main">
+  <p:cSld>
+    <p:spTree>
+      <p:nvGrpSpPr>
+        <p:cNvPr id="1" name=""/>
+        <p:cNvGrpSpPr/>
+        <p:nvPr/>
+      </p:nvGrpSpPr>
+      <p:grpSpPr>
+        <a:xfrm>
+          <a:off x="0" y="0"/>
+          <a:ext cx="0" cy="0"/>
+          <a:chOff x="0" y="0"/>
+          <a:chExt cx="0" cy="0"/>
+        </a:xfrm>
+      </p:grpSpPr>
+      <p:sp>
+        <p:nvSpPr>
+          <p:cNvPr id="2" name="Title 1">
+            <a:extLst>
+              <a:ext uri="{FF2B5EF4-FFF2-40B4-BE49-F238E27FC236}">
+                <a16:creationId xmlns:a16="http://schemas.microsoft.com/office/drawing/2014/main" id="{D09F0A99-5CCF-4599-9B46-7C4E07F0ACBB}"/>
+              </a:ext>
+            </a:extLst>
+          </p:cNvPr>
+          <p:cNvSpPr>
+            <a:spLocks noGrp="1"/>
+          </p:cNvSpPr>
+          <p:nvPr>
+            <p:ph type="title"/>
+          </p:nvPr>
+        </p:nvSpPr>
+        <p:spPr/>
+        <p:txBody>
+          <a:bodyPr/>
+          <a:lstStyle/>
+          <a:p>
+            <a:r>
+              <a:rPr lang="en-US" dirty="0"/>
+              <a:t>Blockchain Implementation</a:t>
+            </a:r>
+          </a:p>
+        </p:txBody>
+      </p:sp>
+      <p:pic>
+        <p:nvPicPr>
+          <p:cNvPr id="4" name="Content Placeholder 3">
+            <a:extLst>
+              <a:ext uri="{FF2B5EF4-FFF2-40B4-BE49-F238E27FC236}">
+                <a16:creationId xmlns:a16="http://schemas.microsoft.com/office/drawing/2014/main" id="{27A786F7-CFFD-40ED-92BA-A7CDD07A476F}"/>
+              </a:ext>
+            </a:extLst>
+          </p:cNvPr>
+          <p:cNvPicPr>
+            <a:picLocks noGrp="1" noChangeAspect="1"/>
+          </p:cNvPicPr>
+          <p:nvPr>
+            <p:ph idx="1"/>
+          </p:nvPr>
+        </p:nvPicPr>
+        <p:blipFill>
+          <a:blip r:embed="rId2"/>
+          <a:stretch>
+            <a:fillRect/>
+          </a:stretch>
+        </p:blipFill>
+        <p:spPr>
+          <a:xfrm>
+            <a:off x="702724" y="1707279"/>
+            <a:ext cx="10786552" cy="2807910"/>
+          </a:xfrm>
+          <a:prstGeom prst="rect">
+            <a:avLst/>
+          </a:prstGeom>
+        </p:spPr>
+      </p:pic>
+      <p:sp>
+        <p:nvSpPr>
+          <p:cNvPr id="5" name="TextBox 4">
+            <a:extLst>
+              <a:ext uri="{FF2B5EF4-FFF2-40B4-BE49-F238E27FC236}">
+                <a16:creationId xmlns:a16="http://schemas.microsoft.com/office/drawing/2014/main" id="{5D87BF1F-DFE4-46A1-B96C-9189ADDF1D61}"/>
+              </a:ext>
+            </a:extLst>
+          </p:cNvPr>
+          <p:cNvSpPr txBox="1"/>
+          <p:nvPr/>
+        </p:nvSpPr>
+        <p:spPr>
+          <a:xfrm>
+            <a:off x="1703158" y="4550556"/>
+            <a:ext cx="1884640" cy="1600438"/>
+          </a:xfrm>
+          <a:prstGeom prst="rect">
+            <a:avLst/>
+          </a:prstGeom>
+          <a:noFill/>
+          <a:ln>
+            <a:solidFill>
+              <a:schemeClr val="tx1"/>
+            </a:solidFill>
+          </a:ln>
+        </p:spPr>
+        <p:txBody>
+          <a:bodyPr wrap="square" rtlCol="0">
+            <a:spAutoFit/>
+          </a:bodyPr>
+          <a:lstStyle/>
+          <a:p>
+            <a:r>
+              <a:rPr lang="en-US" sz="1400" dirty="0"/>
+              <a:t>Patient 1 ID</a:t>
+            </a:r>
+          </a:p>
+          <a:p>
+            <a:r>
+              <a:rPr lang="en-US" sz="1400" dirty="0"/>
+              <a:t>	Patient Details</a:t>
+            </a:r>
+          </a:p>
+          <a:p>
+            <a:r>
+              <a:rPr lang="en-US" sz="1400" dirty="0"/>
+              <a:t>	……</a:t>
+            </a:r>
+          </a:p>
+          <a:p>
+            <a:r>
+              <a:rPr lang="en-US" sz="1400" dirty="0"/>
+              <a:t>	……</a:t>
+            </a:r>
+          </a:p>
+          <a:p>
+            <a:r>
+              <a:rPr lang="en-US" sz="1400" dirty="0"/>
+              <a:t>Doctor 1 ID</a:t>
+            </a:r>
+          </a:p>
+          <a:p>
+            <a:r>
+              <a:rPr lang="en-US" sz="1400" dirty="0"/>
+              <a:t>	Diagnosis</a:t>
+            </a:r>
+          </a:p>
+          <a:p>
+            <a:r>
+              <a:rPr lang="en-US" sz="1400" dirty="0"/>
+              <a:t>	……</a:t>
+            </a:r>
+          </a:p>
+        </p:txBody>
+      </p:sp>
+      <p:sp>
+        <p:nvSpPr>
+          <p:cNvPr id="6" name="TextBox 5">
+            <a:extLst>
+              <a:ext uri="{FF2B5EF4-FFF2-40B4-BE49-F238E27FC236}">
+                <a16:creationId xmlns:a16="http://schemas.microsoft.com/office/drawing/2014/main" id="{6E0A8720-B62F-4B01-A494-DE631B134FF2}"/>
+              </a:ext>
+            </a:extLst>
+          </p:cNvPr>
+          <p:cNvSpPr txBox="1"/>
+          <p:nvPr/>
+        </p:nvSpPr>
+        <p:spPr>
+          <a:xfrm>
+            <a:off x="3677378" y="4555869"/>
+            <a:ext cx="1884640" cy="1600438"/>
+          </a:xfrm>
+          <a:prstGeom prst="rect">
+            <a:avLst/>
+          </a:prstGeom>
+          <a:noFill/>
+          <a:ln>
+            <a:solidFill>
+              <a:schemeClr val="tx1"/>
+            </a:solidFill>
+          </a:ln>
+        </p:spPr>
+        <p:txBody>
+          <a:bodyPr wrap="square" rtlCol="0">
+            <a:spAutoFit/>
+          </a:bodyPr>
+          <a:lstStyle/>
+          <a:p>
+            <a:r>
+              <a:rPr lang="en-US" sz="1400" dirty="0"/>
+              <a:t>Patient 3 ID</a:t>
+            </a:r>
+          </a:p>
+          <a:p>
+            <a:r>
+              <a:rPr lang="en-US" sz="1400" dirty="0"/>
+              <a:t>	Patient Details</a:t>
+            </a:r>
+          </a:p>
+          <a:p>
+            <a:r>
+              <a:rPr lang="en-US" sz="1400" dirty="0"/>
+              <a:t>	……</a:t>
+            </a:r>
+          </a:p>
+          <a:p>
+            <a:r>
+              <a:rPr lang="en-US" sz="1400" dirty="0"/>
+              <a:t>	……</a:t>
+            </a:r>
+          </a:p>
+          <a:p>
+            <a:r>
+              <a:rPr lang="en-US" sz="1400" dirty="0"/>
+              <a:t>Doctor 1 ID</a:t>
+            </a:r>
+          </a:p>
+          <a:p>
+            <a:r>
+              <a:rPr lang="en-US" sz="1400" dirty="0"/>
+              <a:t>	Diagnosis</a:t>
+            </a:r>
+          </a:p>
+          <a:p>
+            <a:r>
+              <a:rPr lang="en-US" sz="1400" dirty="0"/>
+              <a:t>	……</a:t>
+            </a:r>
+          </a:p>
+        </p:txBody>
+      </p:sp>
+      <p:sp>
+        <p:nvSpPr>
+          <p:cNvPr id="7" name="TextBox 6">
+            <a:extLst>
+              <a:ext uri="{FF2B5EF4-FFF2-40B4-BE49-F238E27FC236}">
+                <a16:creationId xmlns:a16="http://schemas.microsoft.com/office/drawing/2014/main" id="{F9E3B63D-A3BB-440A-A8E7-99367E9093F3}"/>
+              </a:ext>
+            </a:extLst>
+          </p:cNvPr>
+          <p:cNvSpPr txBox="1"/>
+          <p:nvPr/>
+        </p:nvSpPr>
+        <p:spPr>
+          <a:xfrm>
+            <a:off x="5651598" y="4550556"/>
+            <a:ext cx="1884640" cy="1600438"/>
+          </a:xfrm>
+          <a:prstGeom prst="rect">
+            <a:avLst/>
+          </a:prstGeom>
+          <a:noFill/>
+          <a:ln>
+            <a:solidFill>
+              <a:schemeClr val="tx1"/>
+            </a:solidFill>
+          </a:ln>
+        </p:spPr>
+        <p:txBody>
+          <a:bodyPr wrap="square" rtlCol="0">
+            <a:spAutoFit/>
+          </a:bodyPr>
+          <a:lstStyle/>
+          <a:p>
+            <a:r>
+              <a:rPr lang="en-US" sz="1400" dirty="0"/>
+              <a:t>Patient 5 ID</a:t>
+            </a:r>
+          </a:p>
+          <a:p>
+            <a:r>
+              <a:rPr lang="en-US" sz="1400" dirty="0"/>
+              <a:t>	Patient Details</a:t>
+            </a:r>
+          </a:p>
+          <a:p>
+            <a:r>
+              <a:rPr lang="en-US" sz="1400" dirty="0"/>
+              <a:t>	……</a:t>
+            </a:r>
+          </a:p>
+          <a:p>
+            <a:r>
+              <a:rPr lang="en-US" sz="1400" dirty="0"/>
+              <a:t>	……</a:t>
+            </a:r>
+          </a:p>
+          <a:p>
+            <a:r>
+              <a:rPr lang="en-US" sz="1400" dirty="0"/>
+              <a:t>Doctor 1 ID</a:t>
+            </a:r>
+          </a:p>
+          <a:p>
+            <a:r>
+              <a:rPr lang="en-US" sz="1400" dirty="0"/>
+              <a:t>	Diagnosis</a:t>
+            </a:r>
+          </a:p>
+          <a:p>
+            <a:r>
+              <a:rPr lang="en-US" sz="1400" dirty="0"/>
+              <a:t>	……</a:t>
+            </a:r>
+          </a:p>
+        </p:txBody>
+      </p:sp>
+      <p:sp>
+        <p:nvSpPr>
+          <p:cNvPr id="8" name="TextBox 7">
+            <a:extLst>
+              <a:ext uri="{FF2B5EF4-FFF2-40B4-BE49-F238E27FC236}">
+                <a16:creationId xmlns:a16="http://schemas.microsoft.com/office/drawing/2014/main" id="{A61FDBB1-EDDB-4747-AEFE-8DB28C492709}"/>
+              </a:ext>
+            </a:extLst>
+          </p:cNvPr>
+          <p:cNvSpPr txBox="1"/>
+          <p:nvPr/>
+        </p:nvSpPr>
+        <p:spPr>
+          <a:xfrm>
+            <a:off x="7661884" y="4550556"/>
+            <a:ext cx="1884640" cy="2246769"/>
+          </a:xfrm>
+          <a:prstGeom prst="rect">
+            <a:avLst/>
+          </a:prstGeom>
+          <a:noFill/>
+          <a:ln>
+            <a:solidFill>
+              <a:schemeClr val="tx1"/>
+            </a:solidFill>
+          </a:ln>
+        </p:spPr>
+        <p:txBody>
+          <a:bodyPr wrap="square" rtlCol="0">
+            <a:spAutoFit/>
+          </a:bodyPr>
+          <a:lstStyle/>
+          <a:p>
+            <a:r>
+              <a:rPr lang="en-US" sz="1400" dirty="0"/>
+              <a:t>Patient 1 ID</a:t>
+            </a:r>
+          </a:p>
+          <a:p>
+            <a:r>
+              <a:rPr lang="en-US" sz="1400" dirty="0"/>
+              <a:t>	Patient Details</a:t>
+            </a:r>
+          </a:p>
+          <a:p>
+            <a:r>
+              <a:rPr lang="en-US" sz="1400" dirty="0"/>
+              <a:t>	……</a:t>
+            </a:r>
+          </a:p>
+          <a:p>
+            <a:r>
+              <a:rPr lang="en-US" sz="1400" dirty="0"/>
+              <a:t>	……</a:t>
+            </a:r>
+          </a:p>
+          <a:p>
+            <a:r>
+              <a:rPr lang="en-US" sz="1400" dirty="0"/>
+              <a:t>Doctor 1 ID</a:t>
+            </a:r>
+          </a:p>
+          <a:p>
+            <a:r>
+              <a:rPr lang="en-US" sz="1400" dirty="0"/>
+              <a:t>	Diagnosis</a:t>
+            </a:r>
+          </a:p>
+          <a:p>
+            <a:r>
+              <a:rPr lang="en-US" sz="1400" dirty="0"/>
+              <a:t>	……</a:t>
+            </a:r>
+          </a:p>
+          <a:p>
+            <a:r>
+              <a:rPr lang="en-US" sz="1400" dirty="0"/>
+              <a:t>Doctor 2 ID</a:t>
+            </a:r>
+          </a:p>
+          <a:p>
+            <a:r>
+              <a:rPr lang="en-US" sz="1400" dirty="0"/>
+              <a:t>	Diagnosis</a:t>
+            </a:r>
+          </a:p>
+          <a:p>
+            <a:r>
+              <a:rPr lang="en-US" sz="1400" dirty="0"/>
+              <a:t>	……</a:t>
+            </a:r>
+          </a:p>
+        </p:txBody>
+      </p:sp>
+      <p:cxnSp>
+        <p:nvCxnSpPr>
+          <p:cNvPr id="10" name="Straight Arrow Connector 9">
+            <a:extLst>
+              <a:ext uri="{FF2B5EF4-FFF2-40B4-BE49-F238E27FC236}">
+                <a16:creationId xmlns:a16="http://schemas.microsoft.com/office/drawing/2014/main" id="{561ADB19-4AA9-462A-AA99-A5CA14DB01E4}"/>
+              </a:ext>
+            </a:extLst>
+          </p:cNvPr>
+          <p:cNvCxnSpPr>
+            <a:cxnSpLocks/>
+            <a:stCxn id="5" idx="0"/>
+          </p:cNvCxnSpPr>
+          <p:nvPr/>
+        </p:nvCxnSpPr>
+        <p:spPr>
+          <a:xfrm flipH="1" flipV="1">
+            <a:off x="1467899" y="3224364"/>
+            <a:ext cx="1177579" cy="1326192"/>
+          </a:xfrm>
+          <a:prstGeom prst="straightConnector1">
+            <a:avLst/>
+          </a:prstGeom>
+          <a:ln>
+            <a:tailEnd type="triangle"/>
+          </a:ln>
+        </p:spPr>
+        <p:style>
+          <a:lnRef idx="2">
+            <a:schemeClr val="dk1"/>
+          </a:lnRef>
+          <a:fillRef idx="0">
+            <a:schemeClr val="dk1"/>
+          </a:fillRef>
+          <a:effectRef idx="1">
+            <a:schemeClr val="dk1"/>
+          </a:effectRef>
+          <a:fontRef idx="minor">
+            <a:schemeClr val="tx1"/>
+          </a:fontRef>
+        </p:style>
+      </p:cxnSp>
+      <p:cxnSp>
+        <p:nvCxnSpPr>
+          <p:cNvPr id="11" name="Straight Arrow Connector 10">
+            <a:extLst>
+              <a:ext uri="{FF2B5EF4-FFF2-40B4-BE49-F238E27FC236}">
+                <a16:creationId xmlns:a16="http://schemas.microsoft.com/office/drawing/2014/main" id="{167F6A43-E532-4535-94F5-6E9C1C0C2D59}"/>
+              </a:ext>
+            </a:extLst>
+          </p:cNvPr>
+          <p:cNvCxnSpPr>
+            <a:cxnSpLocks/>
+            <a:stCxn id="6" idx="0"/>
+          </p:cNvCxnSpPr>
+          <p:nvPr/>
+        </p:nvCxnSpPr>
+        <p:spPr>
+          <a:xfrm flipH="1" flipV="1">
+            <a:off x="4078096" y="3224365"/>
+            <a:ext cx="541602" cy="1331504"/>
+          </a:xfrm>
+          <a:prstGeom prst="straightConnector1">
+            <a:avLst/>
+          </a:prstGeom>
+          <a:ln>
+            <a:tailEnd type="triangle"/>
+          </a:ln>
+        </p:spPr>
+        <p:style>
+          <a:lnRef idx="2">
+            <a:schemeClr val="dk1"/>
+          </a:lnRef>
+          <a:fillRef idx="0">
+            <a:schemeClr val="dk1"/>
+          </a:fillRef>
+          <a:effectRef idx="1">
+            <a:schemeClr val="dk1"/>
+          </a:effectRef>
+          <a:fontRef idx="minor">
+            <a:schemeClr val="tx1"/>
+          </a:fontRef>
+        </p:style>
+      </p:cxnSp>
+      <p:cxnSp>
+        <p:nvCxnSpPr>
+          <p:cNvPr id="14" name="Straight Arrow Connector 13">
+            <a:extLst>
+              <a:ext uri="{FF2B5EF4-FFF2-40B4-BE49-F238E27FC236}">
+                <a16:creationId xmlns:a16="http://schemas.microsoft.com/office/drawing/2014/main" id="{0D444240-051A-4465-9EA9-52DF1CB9D76C}"/>
+              </a:ext>
+            </a:extLst>
+          </p:cNvPr>
+          <p:cNvCxnSpPr>
+            <a:cxnSpLocks/>
+            <a:stCxn id="7" idx="0"/>
+          </p:cNvCxnSpPr>
+          <p:nvPr/>
+        </p:nvCxnSpPr>
+        <p:spPr>
+          <a:xfrm flipV="1">
+            <a:off x="6593918" y="3224364"/>
+            <a:ext cx="48224" cy="1326192"/>
+          </a:xfrm>
+          <a:prstGeom prst="straightConnector1">
+            <a:avLst/>
+          </a:prstGeom>
+          <a:ln>
+            <a:tailEnd type="triangle"/>
+          </a:ln>
+        </p:spPr>
+        <p:style>
+          <a:lnRef idx="2">
+            <a:schemeClr val="dk1"/>
+          </a:lnRef>
+          <a:fillRef idx="0">
+            <a:schemeClr val="dk1"/>
+          </a:fillRef>
+          <a:effectRef idx="1">
+            <a:schemeClr val="dk1"/>
+          </a:effectRef>
+          <a:fontRef idx="minor">
+            <a:schemeClr val="tx1"/>
+          </a:fontRef>
+        </p:style>
+      </p:cxnSp>
+      <p:cxnSp>
+        <p:nvCxnSpPr>
+          <p:cNvPr id="19" name="Straight Arrow Connector 18">
+            <a:extLst>
+              <a:ext uri="{FF2B5EF4-FFF2-40B4-BE49-F238E27FC236}">
+                <a16:creationId xmlns:a16="http://schemas.microsoft.com/office/drawing/2014/main" id="{BA32B823-4318-46B9-BF65-7B4857E4AB30}"/>
+              </a:ext>
+            </a:extLst>
+          </p:cNvPr>
+          <p:cNvCxnSpPr>
+            <a:cxnSpLocks/>
+            <a:stCxn id="8" idx="0"/>
+          </p:cNvCxnSpPr>
+          <p:nvPr/>
+        </p:nvCxnSpPr>
+        <p:spPr>
+          <a:xfrm flipV="1">
+            <a:off x="8604204" y="3224366"/>
+            <a:ext cx="492625" cy="1326190"/>
+          </a:xfrm>
+          <a:prstGeom prst="straightConnector1">
+            <a:avLst/>
+          </a:prstGeom>
+          <a:ln>
+            <a:tailEnd type="triangle"/>
+          </a:ln>
+        </p:spPr>
+        <p:style>
+          <a:lnRef idx="2">
+            <a:schemeClr val="dk1"/>
+          </a:lnRef>
+          <a:fillRef idx="0">
+            <a:schemeClr val="dk1"/>
+          </a:fillRef>
+          <a:effectRef idx="1">
+            <a:schemeClr val="dk1"/>
+          </a:effectRef>
+          <a:fontRef idx="minor">
+            <a:schemeClr val="tx1"/>
+          </a:fontRef>
+        </p:style>
+      </p:cxnSp>
+    </p:spTree>
+    <p:extLst>
+      <p:ext uri="{BB962C8B-B14F-4D97-AF65-F5344CB8AC3E}">
+        <p14:creationId xmlns:p14="http://schemas.microsoft.com/office/powerpoint/2010/main" val="2797068879"/>
+      </p:ext>
+    </p:extLst>
+  </p:cSld>
+  <p:clrMapOvr>
+    <a:masterClrMapping/>
+  </p:clrMapOvr>
+</p:sld>
+</file>
+
+<file path=ppt/slides/slide9.xml><?xml version="1.0" encoding="utf-8"?>
 <p:sld xmlns:a="http://schemas.openxmlformats.org/drawingml/2006/main" xmlns:r="http://schemas.openxmlformats.org/officeDocument/2006/relationships" xmlns:p="http://schemas.openxmlformats.org/presentationml/2006/main">
   <p:cSld>
     <p:bg>
@@ -22445,328 +23617,6 @@
     <p:extLst>
       <p:ext uri="{BB962C8B-B14F-4D97-AF65-F5344CB8AC3E}">
         <p14:creationId xmlns:p14="http://schemas.microsoft.com/office/powerpoint/2010/main" val="1281622667"/>
-      </p:ext>
-    </p:extLst>
-  </p:cSld>
-  <p:clrMapOvr>
-    <a:masterClrMapping/>
-  </p:clrMapOvr>
-</p:sld>
-</file>
-
-<file path=ppt/slides/slide8.xml><?xml version="1.0" encoding="utf-8"?>
-<p:sld xmlns:a="http://schemas.openxmlformats.org/drawingml/2006/main" xmlns:r="http://schemas.openxmlformats.org/officeDocument/2006/relationships" xmlns:p="http://schemas.openxmlformats.org/presentationml/2006/main">
-  <p:cSld>
-    <p:spTree>
-      <p:nvGrpSpPr>
-        <p:cNvPr id="1" name=""/>
-        <p:cNvGrpSpPr/>
-        <p:nvPr/>
-      </p:nvGrpSpPr>
-      <p:grpSpPr>
-        <a:xfrm>
-          <a:off x="0" y="0"/>
-          <a:ext cx="0" cy="0"/>
-          <a:chOff x="0" y="0"/>
-          <a:chExt cx="0" cy="0"/>
-        </a:xfrm>
-      </p:grpSpPr>
-      <p:sp>
-        <p:nvSpPr>
-          <p:cNvPr id="2" name="Title 1">
-            <a:extLst>
-              <a:ext uri="{FF2B5EF4-FFF2-40B4-BE49-F238E27FC236}">
-                <a16:creationId xmlns:a16="http://schemas.microsoft.com/office/drawing/2014/main" id="{407056F4-195E-47DD-B730-2D92CFA90AE0}"/>
-              </a:ext>
-            </a:extLst>
-          </p:cNvPr>
-          <p:cNvSpPr>
-            <a:spLocks noGrp="1"/>
-          </p:cNvSpPr>
-          <p:nvPr>
-            <p:ph type="title"/>
-          </p:nvPr>
-        </p:nvSpPr>
-        <p:spPr>
-          <a:xfrm>
-            <a:off x="227883" y="237641"/>
-            <a:ext cx="8596668" cy="1320800"/>
-          </a:xfrm>
-        </p:spPr>
-        <p:txBody>
-          <a:bodyPr/>
-          <a:lstStyle/>
-          <a:p>
-            <a:r>
-              <a:rPr lang="en-US" dirty="0"/>
-              <a:t>Monetary Value</a:t>
-            </a:r>
-          </a:p>
-        </p:txBody>
-      </p:sp>
-      <p:sp>
-        <p:nvSpPr>
-          <p:cNvPr id="3" name="Content Placeholder 2">
-            <a:extLst>
-              <a:ext uri="{FF2B5EF4-FFF2-40B4-BE49-F238E27FC236}">
-                <a16:creationId xmlns:a16="http://schemas.microsoft.com/office/drawing/2014/main" id="{7C4623D8-2BC2-4778-8DF7-934804777AB9}"/>
-              </a:ext>
-            </a:extLst>
-          </p:cNvPr>
-          <p:cNvSpPr>
-            <a:spLocks noGrp="1"/>
-          </p:cNvSpPr>
-          <p:nvPr>
-            <p:ph idx="1"/>
-          </p:nvPr>
-        </p:nvSpPr>
-        <p:spPr>
-          <a:xfrm>
-            <a:off x="227883" y="3341436"/>
-            <a:ext cx="1438185" cy="3880773"/>
-          </a:xfrm>
-        </p:spPr>
-        <p:txBody>
-          <a:bodyPr/>
-          <a:lstStyle/>
-          <a:p>
-            <a:r>
-              <a:rPr lang="en-US" dirty="0"/>
-              <a:t>Cost of a medical record</a:t>
-            </a:r>
-          </a:p>
-        </p:txBody>
-      </p:sp>
-      <p:graphicFrame>
-        <p:nvGraphicFramePr>
-          <p:cNvPr id="6" name="Chart 5">
-            <a:extLst>
-              <a:ext uri="{FF2B5EF4-FFF2-40B4-BE49-F238E27FC236}">
-                <a16:creationId xmlns:a16="http://schemas.microsoft.com/office/drawing/2014/main" id="{AD2C13BC-E08A-47D0-97EF-004867BBC252}"/>
-              </a:ext>
-            </a:extLst>
-          </p:cNvPr>
-          <p:cNvGraphicFramePr/>
-          <p:nvPr>
-            <p:extLst>
-              <p:ext uri="{D42A27DB-BD31-4B8C-83A1-F6EECF244321}">
-                <p14:modId xmlns:p14="http://schemas.microsoft.com/office/powerpoint/2010/main" val="640672595"/>
-              </p:ext>
-            </p:extLst>
-          </p:nvPr>
-        </p:nvGraphicFramePr>
-        <p:xfrm>
-          <a:off x="2032000" y="1083875"/>
-          <a:ext cx="7406468" cy="5418667"/>
-        </p:xfrm>
-        <a:graphic>
-          <a:graphicData uri="http://schemas.openxmlformats.org/drawingml/2006/chart">
-            <c:chart xmlns:c="http://schemas.openxmlformats.org/drawingml/2006/chart" xmlns:r="http://schemas.openxmlformats.org/officeDocument/2006/relationships" r:id="rId2"/>
-          </a:graphicData>
-        </a:graphic>
-      </p:graphicFrame>
-    </p:spTree>
-    <p:extLst>
-      <p:ext uri="{BB962C8B-B14F-4D97-AF65-F5344CB8AC3E}">
-        <p14:creationId xmlns:p14="http://schemas.microsoft.com/office/powerpoint/2010/main" val="758471024"/>
-      </p:ext>
-    </p:extLst>
-  </p:cSld>
-  <p:clrMapOvr>
-    <a:masterClrMapping/>
-  </p:clrMapOvr>
-</p:sld>
-</file>
-
-<file path=ppt/slides/slide9.xml><?xml version="1.0" encoding="utf-8"?>
-<p:sld xmlns:a="http://schemas.openxmlformats.org/drawingml/2006/main" xmlns:r="http://schemas.openxmlformats.org/officeDocument/2006/relationships" xmlns:p="http://schemas.openxmlformats.org/presentationml/2006/main">
-  <p:cSld>
-    <p:bg>
-      <p:bgPr>
-        <a:solidFill>
-          <a:schemeClr val="bg1"/>
-        </a:solidFill>
-        <a:effectLst/>
-      </p:bgPr>
-    </p:bg>
-    <p:spTree>
-      <p:nvGrpSpPr>
-        <p:cNvPr id="1" name=""/>
-        <p:cNvGrpSpPr/>
-        <p:nvPr/>
-      </p:nvGrpSpPr>
-      <p:grpSpPr>
-        <a:xfrm>
-          <a:off x="0" y="0"/>
-          <a:ext cx="0" cy="0"/>
-          <a:chOff x="0" y="0"/>
-          <a:chExt cx="0" cy="0"/>
-        </a:xfrm>
-      </p:grpSpPr>
-      <p:sp>
-        <p:nvSpPr>
-          <p:cNvPr id="2" name="Title 1">
-            <a:extLst>
-              <a:ext uri="{FF2B5EF4-FFF2-40B4-BE49-F238E27FC236}">
-                <a16:creationId xmlns:a16="http://schemas.microsoft.com/office/drawing/2014/main" id="{3047A4DD-CFE8-4E3F-95C6-71CB3FBD4227}"/>
-              </a:ext>
-            </a:extLst>
-          </p:cNvPr>
-          <p:cNvSpPr>
-            <a:spLocks noGrp="1"/>
-          </p:cNvSpPr>
-          <p:nvPr>
-            <p:ph type="title"/>
-          </p:nvPr>
-        </p:nvSpPr>
-        <p:spPr>
-          <a:xfrm>
-            <a:off x="677334" y="609600"/>
-            <a:ext cx="8596668" cy="1320800"/>
-          </a:xfrm>
-        </p:spPr>
-        <p:txBody>
-          <a:bodyPr anchor="t">
-            <a:normAutofit/>
-          </a:bodyPr>
-          <a:lstStyle/>
-          <a:p>
-            <a:r>
-              <a:rPr lang="en-US"/>
-              <a:t>Business Viability</a:t>
-            </a:r>
-            <a:endParaRPr lang="en-US" dirty="0"/>
-          </a:p>
-        </p:txBody>
-      </p:sp>
-      <p:pic>
-        <p:nvPicPr>
-          <p:cNvPr id="9" name="Graphic 6" descr="Money">
-            <a:extLst>
-              <a:ext uri="{FF2B5EF4-FFF2-40B4-BE49-F238E27FC236}">
-                <a16:creationId xmlns:a16="http://schemas.microsoft.com/office/drawing/2014/main" id="{0C28EF9F-2D51-4137-B9E8-2A946CF30A49}"/>
-              </a:ext>
-            </a:extLst>
-          </p:cNvPr>
-          <p:cNvPicPr>
-            <a:picLocks noChangeAspect="1"/>
-          </p:cNvPicPr>
-          <p:nvPr/>
-        </p:nvPicPr>
-        <p:blipFill>
-          <a:blip r:embed="rId2">
-            <a:extLst>
-              <a:ext uri="{28A0092B-C50C-407E-A947-70E740481C1C}">
-                <a14:useLocalDpi xmlns:a14="http://schemas.microsoft.com/office/drawing/2010/main" val="0"/>
-              </a:ext>
-              <a:ext uri="{96DAC541-7B7A-43D3-8B79-37D633B846F1}">
-                <asvg:svgBlip xmlns:asvg="http://schemas.microsoft.com/office/drawing/2016/SVG/main" r:embed="rId3"/>
-              </a:ext>
-            </a:extLst>
-          </a:blip>
-          <a:stretch>
-            <a:fillRect/>
-          </a:stretch>
-        </p:blipFill>
-        <p:spPr>
-          <a:xfrm>
-            <a:off x="817474" y="2159331"/>
-            <a:ext cx="2915973" cy="2915973"/>
-          </a:xfrm>
-          <a:prstGeom prst="rect">
-            <a:avLst/>
-          </a:prstGeom>
-        </p:spPr>
-      </p:pic>
-      <p:sp>
-        <p:nvSpPr>
-          <p:cNvPr id="10" name="Content Placeholder 2">
-            <a:extLst>
-              <a:ext uri="{FF2B5EF4-FFF2-40B4-BE49-F238E27FC236}">
-                <a16:creationId xmlns:a16="http://schemas.microsoft.com/office/drawing/2014/main" id="{EC1B5B7A-75F1-405B-8B80-69B02DEE29C2}"/>
-              </a:ext>
-            </a:extLst>
-          </p:cNvPr>
-          <p:cNvSpPr>
-            <a:spLocks noGrp="1"/>
-          </p:cNvSpPr>
-          <p:nvPr>
-            <p:ph idx="1"/>
-          </p:nvPr>
-        </p:nvSpPr>
-        <p:spPr>
-          <a:xfrm>
-            <a:off x="4063160" y="2160589"/>
-            <a:ext cx="5207839" cy="3880773"/>
-          </a:xfrm>
-        </p:spPr>
-        <p:txBody>
-          <a:bodyPr>
-            <a:normAutofit/>
-          </a:bodyPr>
-          <a:lstStyle/>
-          <a:p>
-            <a:r>
-              <a:rPr lang="en-US" dirty="0"/>
-              <a:t>Blockchain-as-a-Service (BaaS) platform</a:t>
-            </a:r>
-          </a:p>
-          <a:p>
-            <a:r>
-              <a:rPr lang="en-US" dirty="0"/>
-              <a:t>Web-based and mobile-based</a:t>
-            </a:r>
-          </a:p>
-          <a:p>
-            <a:r>
-              <a:rPr lang="en-US" dirty="0"/>
-              <a:t>Revenue stream:</a:t>
-            </a:r>
-          </a:p>
-          <a:p>
-            <a:pPr lvl="1"/>
-            <a:r>
-              <a:rPr lang="en-US" dirty="0"/>
-              <a:t>Registration fee</a:t>
-            </a:r>
-          </a:p>
-          <a:p>
-            <a:pPr lvl="1"/>
-            <a:r>
-              <a:rPr lang="en-US" dirty="0"/>
-              <a:t>Pay-as-you-go structure (every doctor visit)</a:t>
-            </a:r>
-          </a:p>
-          <a:p>
-            <a:r>
-              <a:rPr lang="en-US" dirty="0"/>
-              <a:t>Cost structure:</a:t>
-            </a:r>
-          </a:p>
-          <a:p>
-            <a:pPr lvl="1"/>
-            <a:r>
-              <a:rPr lang="en-US" dirty="0"/>
-              <a:t>Maintenance cost</a:t>
-            </a:r>
-          </a:p>
-          <a:p>
-            <a:pPr lvl="1"/>
-            <a:r>
-              <a:rPr lang="en-US" dirty="0"/>
-              <a:t>R&amp;D investment</a:t>
-            </a:r>
-          </a:p>
-          <a:p>
-            <a:pPr lvl="1"/>
-            <a:endParaRPr lang="en-US" dirty="0"/>
-          </a:p>
-        </p:txBody>
-      </p:sp>
-    </p:spTree>
-    <p:extLst>
-      <p:ext uri="{BB962C8B-B14F-4D97-AF65-F5344CB8AC3E}">
-        <p14:creationId xmlns:p14="http://schemas.microsoft.com/office/powerpoint/2010/main" val="2957074859"/>
       </p:ext>
     </p:extLst>
   </p:cSld>
